--- a/kpi/Automation Testing_Demo/Automation Testing_20200311.pptx
+++ b/kpi/Automation Testing_Demo/Automation Testing_20200311.pptx
@@ -168,7 +168,7 @@
   </p:defaultTextStyle>
   <p:extLst>
     <p:ext uri="{EFAFB233-063F-42B5-8137-9DF3F51BA10A}">
-      <p15:sldGuideLst xmlns="" xmlns:p15="http://schemas.microsoft.com/office/powerpoint/2012/main">
+      <p15:sldGuideLst xmlns:p15="http://schemas.microsoft.com/office/powerpoint/2012/main" xmlns="">
         <p15:guide id="1" orient="horz" pos="1620">
           <p15:clr>
             <a:srgbClr val="A4A3A4"/>
@@ -182,7 +182,7 @@
       </p15:sldGuideLst>
     </p:ext>
     <p:ext uri="{2D200454-40CA-4A62-9FC3-DE9A4176ACB9}">
-      <p15:notesGuideLst xmlns="" xmlns:p15="http://schemas.microsoft.com/office/powerpoint/2012/main">
+      <p15:notesGuideLst xmlns:p15="http://schemas.microsoft.com/office/powerpoint/2012/main" xmlns="">
         <p15:guide id="1" orient="horz" pos="3223">
           <p15:clr>
             <a:srgbClr val="A4A3A4"/>
@@ -3072,13 +3072,13 @@
         <a:lstStyle/>
         <a:p>
           <a:r>
-            <a:rPr lang="en-US" altLang="zh-TW" sz="2800" dirty="0" smtClean="0">
+            <a:rPr lang="en-US" altLang="zh-TW" sz="2400" dirty="0" smtClean="0">
               <a:latin typeface="Times New Roman" panose="02020603050405020304" pitchFamily="18" charset="0"/>
               <a:cs typeface="Times New Roman" panose="02020603050405020304" pitchFamily="18" charset="0"/>
             </a:rPr>
-            <a:t>Reliability</a:t>
+            <a:t>Reliability Automation</a:t>
           </a:r>
-          <a:endParaRPr lang="zh-TW" altLang="en-US" sz="2800" dirty="0"/>
+          <a:endParaRPr lang="zh-TW" altLang="en-US" sz="2400" dirty="0"/>
         </a:p>
       </dgm:t>
     </dgm:pt>
@@ -3112,13 +3112,13 @@
         <a:lstStyle/>
         <a:p>
           <a:r>
-            <a:rPr lang="en-US" altLang="zh-TW" sz="2800" dirty="0" smtClean="0">
+            <a:rPr lang="en-US" altLang="zh-TW" sz="2400" dirty="0" smtClean="0">
               <a:latin typeface="Times New Roman" panose="02020603050405020304" pitchFamily="18" charset="0"/>
               <a:cs typeface="Times New Roman" panose="02020603050405020304" pitchFamily="18" charset="0"/>
             </a:rPr>
-            <a:t>Process</a:t>
+            <a:t>Process Automation</a:t>
           </a:r>
-          <a:endParaRPr lang="zh-TW" altLang="en-US" sz="2800" dirty="0"/>
+          <a:endParaRPr lang="zh-TW" altLang="en-US" sz="2400" dirty="0"/>
         </a:p>
       </dgm:t>
     </dgm:pt>
@@ -4661,12 +4661,12 @@
         </a:fontRef>
       </dsp:style>
       <dsp:txBody>
-        <a:bodyPr spcFirstLastPara="0" vert="horz" wrap="square" lIns="271049" tIns="106680" rIns="199136" bIns="106680" numCol="1" spcCol="1270" anchor="ctr" anchorCtr="0">
+        <a:bodyPr spcFirstLastPara="0" vert="horz" wrap="square" lIns="271049" tIns="91440" rIns="170688" bIns="91440" numCol="1" spcCol="1270" anchor="ctr" anchorCtr="0">
           <a:noAutofit/>
         </a:bodyPr>
         <a:lstStyle/>
         <a:p>
-          <a:pPr lvl="0" algn="ctr" defTabSz="1244600">
+          <a:pPr lvl="0" algn="ctr" defTabSz="1066800">
             <a:lnSpc>
               <a:spcPct val="90000"/>
             </a:lnSpc>
@@ -4678,13 +4678,13 @@
             </a:spcAft>
           </a:pPr>
           <a:r>
-            <a:rPr lang="en-US" altLang="zh-TW" sz="2800" kern="1200" dirty="0" smtClean="0">
+            <a:rPr lang="en-US" altLang="zh-TW" sz="2400" kern="1200" dirty="0" smtClean="0">
               <a:latin typeface="Times New Roman" panose="02020603050405020304" pitchFamily="18" charset="0"/>
               <a:cs typeface="Times New Roman" panose="02020603050405020304" pitchFamily="18" charset="0"/>
             </a:rPr>
-            <a:t>Reliability</a:t>
+            <a:t>Reliability Automation</a:t>
           </a:r>
-          <a:endParaRPr lang="zh-TW" altLang="en-US" sz="2800" kern="1200" dirty="0"/>
+          <a:endParaRPr lang="zh-TW" altLang="en-US" sz="2400" kern="1200" dirty="0"/>
         </a:p>
       </dsp:txBody>
       <dsp:txXfrm rot="10800000">
@@ -4827,12 +4827,12 @@
         </a:fontRef>
       </dsp:style>
       <dsp:txBody>
-        <a:bodyPr spcFirstLastPara="0" vert="horz" wrap="square" lIns="271049" tIns="106680" rIns="199136" bIns="106680" numCol="1" spcCol="1270" anchor="ctr" anchorCtr="0">
+        <a:bodyPr spcFirstLastPara="0" vert="horz" wrap="square" lIns="271049" tIns="91440" rIns="170688" bIns="91440" numCol="1" spcCol="1270" anchor="ctr" anchorCtr="0">
           <a:noAutofit/>
         </a:bodyPr>
         <a:lstStyle/>
         <a:p>
-          <a:pPr lvl="0" algn="ctr" defTabSz="1244600">
+          <a:pPr lvl="0" algn="ctr" defTabSz="1066800">
             <a:lnSpc>
               <a:spcPct val="90000"/>
             </a:lnSpc>
@@ -4844,13 +4844,13 @@
             </a:spcAft>
           </a:pPr>
           <a:r>
-            <a:rPr lang="en-US" altLang="zh-TW" sz="2800" kern="1200" dirty="0" smtClean="0">
+            <a:rPr lang="en-US" altLang="zh-TW" sz="2400" kern="1200" dirty="0" smtClean="0">
               <a:latin typeface="Times New Roman" panose="02020603050405020304" pitchFamily="18" charset="0"/>
               <a:cs typeface="Times New Roman" panose="02020603050405020304" pitchFamily="18" charset="0"/>
             </a:rPr>
-            <a:t>Process</a:t>
+            <a:t>Process Automation</a:t>
           </a:r>
-          <a:endParaRPr lang="zh-TW" altLang="en-US" sz="2800" kern="1200" dirty="0"/>
+          <a:endParaRPr lang="zh-TW" altLang="en-US" sz="2400" kern="1200" dirty="0"/>
         </a:p>
       </dsp:txBody>
       <dsp:txXfrm rot="10800000">
@@ -18101,14 +18101,7 @@
                 <a:latin typeface="Times New Roman" panose="02020603050405020304" pitchFamily="18" charset="0"/>
                 <a:cs typeface="Times New Roman" panose="02020603050405020304" pitchFamily="18" charset="0"/>
               </a:rPr>
-              <a:t>Airplane </a:t>
-            </a:r>
-            <a:r>
-              <a:rPr lang="en-US" altLang="zh-TW" sz="1800" dirty="0" smtClean="0">
-                <a:latin typeface="Times New Roman" panose="02020603050405020304" pitchFamily="18" charset="0"/>
-                <a:cs typeface="Times New Roman" panose="02020603050405020304" pitchFamily="18" charset="0"/>
-              </a:rPr>
-              <a:t>OFF (Wi-Fi ON)</a:t>
+              <a:t>Airplane OFF (Wi-Fi ON)</a:t>
             </a:r>
             <a:endParaRPr lang="en-US" altLang="zh-TW" sz="1800" dirty="0">
               <a:latin typeface="Times New Roman" panose="02020603050405020304" pitchFamily="18" charset="0"/>
@@ -18148,14 +18141,7 @@
                 <a:latin typeface="Times New Roman" panose="02020603050405020304" pitchFamily="18" charset="0"/>
                 <a:cs typeface="Times New Roman" panose="02020603050405020304" pitchFamily="18" charset="0"/>
               </a:rPr>
-              <a:t> Airplane </a:t>
-            </a:r>
-            <a:r>
-              <a:rPr lang="en-US" altLang="zh-TW" sz="1800" dirty="0" smtClean="0">
-                <a:latin typeface="Times New Roman" panose="02020603050405020304" pitchFamily="18" charset="0"/>
-                <a:cs typeface="Times New Roman" panose="02020603050405020304" pitchFamily="18" charset="0"/>
-              </a:rPr>
-              <a:t>ON (Wi-Fi OFF)</a:t>
+              <a:t> Airplane ON (Wi-Fi OFF)</a:t>
             </a:r>
             <a:r>
               <a:rPr lang="en-US" altLang="zh-TW" sz="1800" dirty="0">
@@ -19255,21 +19241,7 @@
                 <a:latin typeface="Times New Roman" panose="02020603050405020304" pitchFamily="18" charset="0"/>
                 <a:cs typeface="Times New Roman" panose="02020603050405020304" pitchFamily="18" charset="0"/>
               </a:rPr>
-              <a:t>Airplane </a:t>
-            </a:r>
-            <a:r>
-              <a:rPr lang="en-US" altLang="zh-TW" sz="1800" dirty="0" smtClean="0">
-                <a:latin typeface="Times New Roman" panose="02020603050405020304" pitchFamily="18" charset="0"/>
-                <a:cs typeface="Times New Roman" panose="02020603050405020304" pitchFamily="18" charset="0"/>
-              </a:rPr>
-              <a:t>ON (Wi-Fi OFF)</a:t>
-            </a:r>
-            <a:r>
-              <a:rPr lang="en-US" altLang="zh-TW" sz="1800" dirty="0" smtClean="0">
-                <a:latin typeface="Times New Roman" panose="02020603050405020304" pitchFamily="18" charset="0"/>
-                <a:cs typeface="Times New Roman" panose="02020603050405020304" pitchFamily="18" charset="0"/>
-              </a:rPr>
-              <a:t>		  </a:t>
+              <a:t>Airplane ON (Wi-Fi OFF)		  </a:t>
             </a:r>
           </a:p>
           <a:p>
@@ -19304,28 +19276,7 @@
                 <a:latin typeface="Times New Roman" panose="02020603050405020304" pitchFamily="18" charset="0"/>
                 <a:cs typeface="Times New Roman" panose="02020603050405020304" pitchFamily="18" charset="0"/>
               </a:rPr>
-              <a:t>Airplane </a:t>
-            </a:r>
-            <a:r>
-              <a:rPr lang="en-US" altLang="zh-TW" sz="1800" dirty="0" smtClean="0">
-                <a:latin typeface="Times New Roman" panose="02020603050405020304" pitchFamily="18" charset="0"/>
-                <a:cs typeface="Times New Roman" panose="02020603050405020304" pitchFamily="18" charset="0"/>
-              </a:rPr>
-              <a:t>OFF </a:t>
-            </a:r>
-            <a:r>
-              <a:rPr lang="en-US" altLang="zh-TW" sz="1800" dirty="0" smtClean="0">
-                <a:latin typeface="Times New Roman" panose="02020603050405020304" pitchFamily="18" charset="0"/>
-                <a:cs typeface="Times New Roman" panose="02020603050405020304" pitchFamily="18" charset="0"/>
-              </a:rPr>
-              <a:t>(Wi-Fi ON)</a:t>
-            </a:r>
-            <a:r>
-              <a:rPr lang="en-US" altLang="zh-TW" sz="1800" dirty="0" smtClean="0">
-                <a:latin typeface="Times New Roman" panose="02020603050405020304" pitchFamily="18" charset="0"/>
-                <a:cs typeface="Times New Roman" panose="02020603050405020304" pitchFamily="18" charset="0"/>
-              </a:rPr>
-              <a:t>					</a:t>
+              <a:t>Airplane OFF (Wi-Fi ON)					</a:t>
             </a:r>
           </a:p>
           <a:p>
@@ -20823,14 +20774,7 @@
                 <a:latin typeface="Times New Roman" panose="02020603050405020304" pitchFamily="18" charset="0"/>
                 <a:cs typeface="Times New Roman" panose="02020603050405020304" pitchFamily="18" charset="0"/>
               </a:rPr>
-              <a:t>Airplane </a:t>
-            </a:r>
-            <a:r>
-              <a:rPr lang="en-US" altLang="zh-TW" sz="1800" dirty="0" smtClean="0">
-                <a:latin typeface="Times New Roman" panose="02020603050405020304" pitchFamily="18" charset="0"/>
-                <a:cs typeface="Times New Roman" panose="02020603050405020304" pitchFamily="18" charset="0"/>
-              </a:rPr>
-              <a:t>ON</a:t>
+              <a:t>Airplane ON</a:t>
             </a:r>
             <a:r>
               <a:rPr lang="zh-TW" altLang="en-US" sz="1800" dirty="0" smtClean="0">
@@ -20846,10 +20790,6 @@
               </a:rPr>
               <a:t>(Wi-Fi OFF)</a:t>
             </a:r>
-            <a:endParaRPr lang="en-US" altLang="zh-TW" sz="1800" dirty="0" smtClean="0">
-              <a:latin typeface="Times New Roman" panose="02020603050405020304" pitchFamily="18" charset="0"/>
-              <a:cs typeface="Times New Roman" panose="02020603050405020304" pitchFamily="18" charset="0"/>
-            </a:endParaRPr>
           </a:p>
           <a:p>
             <a:pPr marL="342900" lvl="1" indent="-342900" eaLnBrk="1" hangingPunct="1">
@@ -20906,14 +20846,7 @@
                 <a:latin typeface="Times New Roman" panose="02020603050405020304" pitchFamily="18" charset="0"/>
                 <a:cs typeface="Times New Roman" panose="02020603050405020304" pitchFamily="18" charset="0"/>
               </a:rPr>
-              <a:t> Airplane </a:t>
-            </a:r>
-            <a:r>
-              <a:rPr lang="en-US" altLang="zh-TW" sz="1800" dirty="0" smtClean="0">
-                <a:latin typeface="Times New Roman" panose="02020603050405020304" pitchFamily="18" charset="0"/>
-                <a:cs typeface="Times New Roman" panose="02020603050405020304" pitchFamily="18" charset="0"/>
-              </a:rPr>
-              <a:t>OFF</a:t>
+              <a:t> Airplane OFF</a:t>
             </a:r>
             <a:r>
               <a:rPr lang="zh-TW" altLang="en-US" sz="1800" dirty="0" smtClean="0">
@@ -21197,11 +21130,11 @@
   <p:clrMapOvr>
     <a:masterClrMapping/>
   </p:clrMapOvr>
-  <mc:AlternateContent xmlns:mc="http://schemas.openxmlformats.org/markup-compatibility/2006">
-    <mc:Choice xmlns:p14="http://schemas.microsoft.com/office/powerpoint/2010/main" Requires="p14">
+  <mc:AlternateContent xmlns:mc="http://schemas.openxmlformats.org/markup-compatibility/2006" xmlns:p14="http://schemas.microsoft.com/office/powerpoint/2010/main">
+    <mc:Choice Requires="p14">
       <p:transition p14:dur="10" advClick="0"/>
     </mc:Choice>
-    <mc:Fallback>
+    <mc:Fallback xmlns="">
       <p:transition advClick="0"/>
     </mc:Fallback>
   </mc:AlternateContent>
@@ -22694,8 +22627,12 @@
                 <a:latin typeface="Times New Roman" panose="02020603050405020304" pitchFamily="18" charset="0"/>
                 <a:cs typeface="Times New Roman" panose="02020603050405020304" pitchFamily="18" charset="0"/>
               </a:rPr>
-              <a:t>Long-Term</a:t>
+              <a:t>Reliability Automation</a:t>
             </a:r>
+            <a:endParaRPr lang="en-US" altLang="zh-TW" sz="2000" dirty="0" smtClean="0">
+              <a:latin typeface="Times New Roman" panose="02020603050405020304" pitchFamily="18" charset="0"/>
+              <a:cs typeface="Times New Roman" panose="02020603050405020304" pitchFamily="18" charset="0"/>
+            </a:endParaRPr>
           </a:p>
           <a:p>
             <a:pPr lvl="1" eaLnBrk="1" hangingPunct="1">
@@ -22708,8 +22645,12 @@
                 <a:latin typeface="Times New Roman" panose="02020603050405020304" pitchFamily="18" charset="0"/>
                 <a:cs typeface="Times New Roman" panose="02020603050405020304" pitchFamily="18" charset="0"/>
               </a:rPr>
-              <a:t>Process</a:t>
+              <a:t>Process Automation</a:t>
             </a:r>
+            <a:endParaRPr lang="en-US" altLang="zh-TW" sz="2000" dirty="0" smtClean="0">
+              <a:latin typeface="Times New Roman" panose="02020603050405020304" pitchFamily="18" charset="0"/>
+              <a:cs typeface="Times New Roman" panose="02020603050405020304" pitchFamily="18" charset="0"/>
+            </a:endParaRPr>
           </a:p>
           <a:p>
             <a:pPr eaLnBrk="1" hangingPunct="1">
@@ -22718,11 +22659,11 @@
               <a:defRPr/>
             </a:pPr>
             <a:r>
-              <a:rPr lang="en-US" altLang="zh-TW" sz="2400" dirty="0" smtClean="0">
+              <a:rPr lang="en-US" altLang="zh-TW" sz="2400" dirty="0">
                 <a:latin typeface="Times New Roman" panose="02020603050405020304" pitchFamily="18" charset="0"/>
                 <a:cs typeface="Times New Roman" panose="02020603050405020304" pitchFamily="18" charset="0"/>
               </a:rPr>
-              <a:t>Continuous Integration</a:t>
+              <a:t>Continuous Integration Structure</a:t>
             </a:r>
           </a:p>
           <a:p>
@@ -26493,7 +26434,17 @@
                 <a:latin typeface="Times New Roman" panose="02020603050405020304" pitchFamily="18" charset="0"/>
                 <a:cs typeface="Times New Roman" panose="02020603050405020304" pitchFamily="18" charset="0"/>
               </a:rPr>
-              <a:t>Continuous Integration</a:t>
+              <a:t>Continuous </a:t>
+            </a:r>
+            <a:r>
+              <a:rPr lang="en-US" altLang="zh-TW" sz="2800" kern="0" dirty="0" smtClean="0">
+                <a:solidFill>
+                  <a:srgbClr val="003366"/>
+                </a:solidFill>
+                <a:latin typeface="Times New Roman" panose="02020603050405020304" pitchFamily="18" charset="0"/>
+                <a:cs typeface="Times New Roman" panose="02020603050405020304" pitchFamily="18" charset="0"/>
+              </a:rPr>
+              <a:t>Integration Structure</a:t>
             </a:r>
             <a:endParaRPr lang="zh-TW" altLang="en-US" sz="2800" kern="0" dirty="0">
               <a:solidFill>
@@ -29177,7 +29128,7 @@
           <p:nvPr>
             <p:extLst>
               <p:ext uri="{D42A27DB-BD31-4B8C-83A1-F6EECF244321}">
-                <p14:modId xmlns:p14="http://schemas.microsoft.com/office/powerpoint/2010/main" val="2524345181"/>
+                <p14:modId xmlns:p14="http://schemas.microsoft.com/office/powerpoint/2010/main" val="3590501109"/>
               </p:ext>
             </p:extLst>
           </p:nvPr>
@@ -29199,7 +29150,7 @@
           <p:nvPr/>
         </p:nvSpPr>
         <p:spPr>
-          <a:xfrm>
+          <a:xfrm rot="10800000">
             <a:off x="4481217" y="2658292"/>
             <a:ext cx="304806" cy="292127"/>
           </a:xfrm>
@@ -29269,7 +29220,7 @@
           <p:nvPr/>
         </p:nvSpPr>
         <p:spPr>
-          <a:xfrm>
+          <a:xfrm rot="10800000">
             <a:off x="4786023" y="2658292"/>
             <a:ext cx="304806" cy="292127"/>
           </a:xfrm>
@@ -29339,7 +29290,7 @@
           <p:nvPr/>
         </p:nvSpPr>
         <p:spPr>
-          <a:xfrm>
+          <a:xfrm rot="10800000">
             <a:off x="5090826" y="2664628"/>
             <a:ext cx="304806" cy="292127"/>
           </a:xfrm>
@@ -29919,7 +29870,7 @@
           <p:nvPr>
             <p:extLst>
               <p:ext uri="{D42A27DB-BD31-4B8C-83A1-F6EECF244321}">
-                <p14:modId xmlns:p14="http://schemas.microsoft.com/office/powerpoint/2010/main" val="3380518201"/>
+                <p14:modId xmlns:p14="http://schemas.microsoft.com/office/powerpoint/2010/main" val="97572103"/>
               </p:ext>
             </p:extLst>
           </p:nvPr>
@@ -30131,10 +30082,6 @@
               </a:rPr>
               <a:t>Demand</a:t>
             </a:r>
-            <a:endParaRPr lang="en-US" altLang="zh-TW" sz="2000" dirty="0" smtClean="0">
-              <a:latin typeface="Times New Roman" panose="02020603050405020304" pitchFamily="18" charset="0"/>
-              <a:cs typeface="Times New Roman" panose="02020603050405020304" pitchFamily="18" charset="0"/>
-            </a:endParaRPr>
           </a:p>
           <a:p>
             <a:pPr marL="742950" lvl="2" indent="-342900" eaLnBrk="1" hangingPunct="1">
@@ -31090,17 +31037,7 @@
                 <a:latin typeface="Times New Roman" panose="02020603050405020304" pitchFamily="18" charset="0"/>
                 <a:cs typeface="Times New Roman" panose="02020603050405020304" pitchFamily="18" charset="0"/>
               </a:rPr>
-              <a:t>Roaming </a:t>
-            </a:r>
-            <a:r>
-              <a:rPr lang="en-US" altLang="zh-TW" sz="2800" kern="0" dirty="0" smtClean="0">
-                <a:solidFill>
-                  <a:srgbClr val="003366"/>
-                </a:solidFill>
-                <a:latin typeface="Times New Roman" panose="02020603050405020304" pitchFamily="18" charset="0"/>
-                <a:cs typeface="Times New Roman" panose="02020603050405020304" pitchFamily="18" charset="0"/>
-              </a:rPr>
-              <a:t>Automation</a:t>
+              <a:t>Roaming Automation</a:t>
             </a:r>
             <a:r>
               <a:rPr lang="zh-TW" altLang="en-US" sz="2800" kern="0" dirty="0" smtClean="0">

--- a/kpi/Automation Testing_Demo/Automation Testing_20200311.pptx
+++ b/kpi/Automation Testing_Demo/Automation Testing_20200311.pptx
@@ -168,7 +168,7 @@
   </p:defaultTextStyle>
   <p:extLst>
     <p:ext uri="{EFAFB233-063F-42B5-8137-9DF3F51BA10A}">
-      <p15:sldGuideLst xmlns:p15="http://schemas.microsoft.com/office/powerpoint/2012/main" xmlns="">
+      <p15:sldGuideLst xmlns="" xmlns:p15="http://schemas.microsoft.com/office/powerpoint/2012/main">
         <p15:guide id="1" orient="horz" pos="1620">
           <p15:clr>
             <a:srgbClr val="A4A3A4"/>
@@ -182,7 +182,7 @@
       </p15:sldGuideLst>
     </p:ext>
     <p:ext uri="{2D200454-40CA-4A62-9FC3-DE9A4176ACB9}">
-      <p15:notesGuideLst xmlns:p15="http://schemas.microsoft.com/office/powerpoint/2012/main" xmlns="">
+      <p15:notesGuideLst xmlns="" xmlns:p15="http://schemas.microsoft.com/office/powerpoint/2012/main">
         <p15:guide id="1" orient="horz" pos="3223">
           <p15:clr>
             <a:srgbClr val="A4A3A4"/>
@@ -22629,10 +22629,6 @@
               </a:rPr>
               <a:t>Reliability Automation</a:t>
             </a:r>
-            <a:endParaRPr lang="en-US" altLang="zh-TW" sz="2000" dirty="0" smtClean="0">
-              <a:latin typeface="Times New Roman" panose="02020603050405020304" pitchFamily="18" charset="0"/>
-              <a:cs typeface="Times New Roman" panose="02020603050405020304" pitchFamily="18" charset="0"/>
-            </a:endParaRPr>
           </a:p>
           <a:p>
             <a:pPr lvl="1" eaLnBrk="1" hangingPunct="1">
@@ -22647,10 +22643,6 @@
               </a:rPr>
               <a:t>Process Automation</a:t>
             </a:r>
-            <a:endParaRPr lang="en-US" altLang="zh-TW" sz="2000" dirty="0" smtClean="0">
-              <a:latin typeface="Times New Roman" panose="02020603050405020304" pitchFamily="18" charset="0"/>
-              <a:cs typeface="Times New Roman" panose="02020603050405020304" pitchFamily="18" charset="0"/>
-            </a:endParaRPr>
           </a:p>
           <a:p>
             <a:pPr eaLnBrk="1" hangingPunct="1">
@@ -26434,17 +26426,7 @@
                 <a:latin typeface="Times New Roman" panose="02020603050405020304" pitchFamily="18" charset="0"/>
                 <a:cs typeface="Times New Roman" panose="02020603050405020304" pitchFamily="18" charset="0"/>
               </a:rPr>
-              <a:t>Continuous </a:t>
-            </a:r>
-            <a:r>
-              <a:rPr lang="en-US" altLang="zh-TW" sz="2800" kern="0" dirty="0" smtClean="0">
-                <a:solidFill>
-                  <a:srgbClr val="003366"/>
-                </a:solidFill>
-                <a:latin typeface="Times New Roman" panose="02020603050405020304" pitchFamily="18" charset="0"/>
-                <a:cs typeface="Times New Roman" panose="02020603050405020304" pitchFamily="18" charset="0"/>
-              </a:rPr>
-              <a:t>Integration Structure</a:t>
+              <a:t>Continuous Integration Structure</a:t>
             </a:r>
             <a:endParaRPr lang="zh-TW" altLang="en-US" sz="2800" kern="0" dirty="0">
               <a:solidFill>
@@ -29150,7 +29132,7 @@
           <p:nvPr/>
         </p:nvSpPr>
         <p:spPr>
-          <a:xfrm rot="10800000">
+          <a:xfrm>
             <a:off x="4481217" y="2658292"/>
             <a:ext cx="304806" cy="292127"/>
           </a:xfrm>
@@ -29220,7 +29202,7 @@
           <p:nvPr/>
         </p:nvSpPr>
         <p:spPr>
-          <a:xfrm rot="10800000">
+          <a:xfrm>
             <a:off x="4786023" y="2658292"/>
             <a:ext cx="304806" cy="292127"/>
           </a:xfrm>
@@ -29290,7 +29272,7 @@
           <p:nvPr/>
         </p:nvSpPr>
         <p:spPr>
-          <a:xfrm rot="10800000">
+          <a:xfrm>
             <a:off x="5090826" y="2664628"/>
             <a:ext cx="304806" cy="292127"/>
           </a:xfrm>
